--- a/Presentation/ERIC_SPITERI_TASK4.pptx
+++ b/Presentation/ERIC_SPITERI_TASK4.pptx
@@ -10,8 +10,10 @@
     <p:sldId id="258" r:id="rId4"/>
     <p:sldId id="259" r:id="rId5"/>
     <p:sldId id="261" r:id="rId6"/>
-    <p:sldId id="260" r:id="rId7"/>
-    <p:sldId id="262" r:id="rId8"/>
+    <p:sldId id="265" r:id="rId7"/>
+    <p:sldId id="264" r:id="rId8"/>
+    <p:sldId id="260" r:id="rId9"/>
+    <p:sldId id="262" r:id="rId10"/>
   </p:sldIdLst>
   <p:sldSz cx="12192000" cy="6858000"/>
   <p:notesSz cx="6858000" cy="9144000"/>
@@ -110,6 +112,11 @@
       </a:defRPr>
     </a:lvl9pPr>
   </p:defaultTextStyle>
+  <p:extLst>
+    <p:ext uri="{EFAFB233-063F-42B5-8137-9DF3F51BA10A}">
+      <p15:sldGuideLst xmlns:p15="http://schemas.microsoft.com/office/powerpoint/2012/main"/>
+    </p:ext>
+  </p:extLst>
 </p:presentation>
 </file>
 
@@ -335,7 +342,7 @@
             <a:fld id="{A37D6D71-8B28-4ED6-B932-04B197003D23}" type="datetimeFigureOut">
               <a:rPr lang="en-US" smtClean="0"/>
               <a:pPr algn="r"/>
-              <a:t>5/28/2024</a:t>
+              <a:t>5/30/2024</a:t>
             </a:fld>
             <a:endParaRPr lang="en-US" dirty="0"/>
           </a:p>
@@ -557,7 +564,7 @@
             <a:fld id="{A37D6D71-8B28-4ED6-B932-04B197003D23}" type="datetimeFigureOut">
               <a:rPr lang="en-US" smtClean="0"/>
               <a:pPr algn="r"/>
-              <a:t>5/28/2024</a:t>
+              <a:t>5/30/2024</a:t>
             </a:fld>
             <a:endParaRPr lang="en-US" dirty="0"/>
           </a:p>
@@ -840,7 +847,7 @@
             <a:fld id="{A37D6D71-8B28-4ED6-B932-04B197003D23}" type="datetimeFigureOut">
               <a:rPr lang="en-US" smtClean="0"/>
               <a:pPr algn="r"/>
-              <a:t>5/28/2024</a:t>
+              <a:t>5/30/2024</a:t>
             </a:fld>
             <a:endParaRPr lang="en-US" dirty="0"/>
           </a:p>
@@ -1054,7 +1061,7 @@
             <a:fld id="{A37D6D71-8B28-4ED6-B932-04B197003D23}" type="datetimeFigureOut">
               <a:rPr lang="en-US" smtClean="0"/>
               <a:pPr algn="r"/>
-              <a:t>5/28/2024</a:t>
+              <a:t>5/30/2024</a:t>
             </a:fld>
             <a:endParaRPr lang="en-US" dirty="0"/>
           </a:p>
@@ -1392,7 +1399,7 @@
             <a:fld id="{A37D6D71-8B28-4ED6-B932-04B197003D23}" type="datetimeFigureOut">
               <a:rPr lang="en-US" smtClean="0"/>
               <a:pPr algn="r"/>
-              <a:t>5/28/2024</a:t>
+              <a:t>5/30/2024</a:t>
             </a:fld>
             <a:endParaRPr lang="en-US" dirty="0"/>
           </a:p>
@@ -1667,7 +1674,7 @@
             <a:fld id="{A37D6D71-8B28-4ED6-B932-04B197003D23}" type="datetimeFigureOut">
               <a:rPr lang="en-US" smtClean="0"/>
               <a:pPr algn="r"/>
-              <a:t>5/28/2024</a:t>
+              <a:t>5/30/2024</a:t>
             </a:fld>
             <a:endParaRPr lang="en-US" dirty="0"/>
           </a:p>
@@ -2056,7 +2063,7 @@
             <a:fld id="{A37D6D71-8B28-4ED6-B932-04B197003D23}" type="datetimeFigureOut">
               <a:rPr lang="en-US" smtClean="0"/>
               <a:pPr algn="r"/>
-              <a:t>5/28/2024</a:t>
+              <a:t>5/30/2024</a:t>
             </a:fld>
             <a:endParaRPr lang="en-US" dirty="0"/>
           </a:p>
@@ -2233,7 +2240,7 @@
             <a:fld id="{A37D6D71-8B28-4ED6-B932-04B197003D23}" type="datetimeFigureOut">
               <a:rPr lang="en-US" smtClean="0"/>
               <a:pPr algn="r"/>
-              <a:t>5/28/2024</a:t>
+              <a:t>5/30/2024</a:t>
             </a:fld>
             <a:endParaRPr lang="en-US" dirty="0"/>
           </a:p>
@@ -2354,7 +2361,7 @@
             <a:fld id="{A37D6D71-8B28-4ED6-B932-04B197003D23}" type="datetimeFigureOut">
               <a:rPr lang="en-US" smtClean="0"/>
               <a:pPr algn="r"/>
-              <a:t>5/28/2024</a:t>
+              <a:t>5/30/2024</a:t>
             </a:fld>
             <a:endParaRPr lang="en-US" dirty="0"/>
           </a:p>
@@ -2639,7 +2646,7 @@
             <a:fld id="{A37D6D71-8B28-4ED6-B932-04B197003D23}" type="datetimeFigureOut">
               <a:rPr lang="en-US" smtClean="0"/>
               <a:pPr algn="r"/>
-              <a:t>5/28/2024</a:t>
+              <a:t>5/30/2024</a:t>
             </a:fld>
             <a:endParaRPr lang="en-US" dirty="0"/>
           </a:p>
@@ -2940,7 +2947,7 @@
             <a:fld id="{A37D6D71-8B28-4ED6-B932-04B197003D23}" type="datetimeFigureOut">
               <a:rPr lang="en-US" smtClean="0"/>
               <a:pPr algn="r"/>
-              <a:t>5/28/2024</a:t>
+              <a:t>5/30/2024</a:t>
             </a:fld>
             <a:endParaRPr lang="en-US" dirty="0"/>
           </a:p>
@@ -3288,7 +3295,7 @@
             <a:fld id="{A37D6D71-8B28-4ED6-B932-04B197003D23}" type="datetimeFigureOut">
               <a:rPr lang="en-US" smtClean="0"/>
               <a:pPr algn="r"/>
-              <a:t>5/28/2024</a:t>
+              <a:t>5/30/2024</a:t>
             </a:fld>
             <a:endParaRPr lang="en-US" spc="50" dirty="0"/>
           </a:p>
@@ -4333,13 +4340,13 @@
   <p:clrMapOvr>
     <a:overrideClrMapping bg1="dk1" tx1="lt1" bg2="dk2" tx2="lt2" accent1="accent1" accent2="accent2" accent3="accent3" accent4="accent4" accent5="accent5" accent6="accent6" hlink="hlink" folHlink="folHlink"/>
   </p:clrMapOvr>
-  <mc:AlternateContent xmlns:mc="http://schemas.openxmlformats.org/markup-compatibility/2006">
-    <mc:Choice xmlns:p15="http://schemas.microsoft.com/office/powerpoint/2012/main" Requires="p15">
+  <mc:AlternateContent xmlns:mc="http://schemas.openxmlformats.org/markup-compatibility/2006" xmlns:p15="http://schemas.microsoft.com/office/powerpoint/2012/main">
+    <mc:Choice Requires="p15">
       <p:transition xmlns:p14="http://schemas.microsoft.com/office/powerpoint/2010/main" spd="slow" p14:dur="2000">
         <p15:prstTrans prst="prestige"/>
       </p:transition>
     </mc:Choice>
-    <mc:Fallback>
+    <mc:Fallback xmlns="">
       <p:transition spd="slow">
         <p:fade/>
       </p:transition>
@@ -4538,13 +4545,13 @@
   <p:clrMapOvr>
     <a:masterClrMapping/>
   </p:clrMapOvr>
-  <mc:AlternateContent xmlns:mc="http://schemas.openxmlformats.org/markup-compatibility/2006">
-    <mc:Choice xmlns:p15="http://schemas.microsoft.com/office/powerpoint/2012/main" Requires="p15">
+  <mc:AlternateContent xmlns:mc="http://schemas.openxmlformats.org/markup-compatibility/2006" xmlns:p15="http://schemas.microsoft.com/office/powerpoint/2012/main">
+    <mc:Choice Requires="p15">
       <p:transition xmlns:p14="http://schemas.microsoft.com/office/powerpoint/2010/main" spd="slow" p14:dur="2000">
         <p15:prstTrans prst="prestige"/>
       </p:transition>
     </mc:Choice>
-    <mc:Fallback>
+    <mc:Fallback xmlns="">
       <p:transition spd="slow">
         <p:fade/>
       </p:transition>
@@ -4881,13 +4888,13 @@
   <p:clrMapOvr>
     <a:masterClrMapping/>
   </p:clrMapOvr>
-  <mc:AlternateContent xmlns:mc="http://schemas.openxmlformats.org/markup-compatibility/2006">
-    <mc:Choice xmlns:p15="http://schemas.microsoft.com/office/powerpoint/2012/main" Requires="p15">
+  <mc:AlternateContent xmlns:mc="http://schemas.openxmlformats.org/markup-compatibility/2006" xmlns:p15="http://schemas.microsoft.com/office/powerpoint/2012/main">
+    <mc:Choice Requires="p15">
       <p:transition xmlns:p14="http://schemas.microsoft.com/office/powerpoint/2010/main" spd="slow" p14:dur="2000">
         <p15:prstTrans prst="prestige"/>
       </p:transition>
     </mc:Choice>
-    <mc:Fallback>
+    <mc:Fallback xmlns="">
       <p:transition spd="slow">
         <p:fade/>
       </p:transition>
@@ -5184,13 +5191,13 @@
   <p:clrMapOvr>
     <a:masterClrMapping/>
   </p:clrMapOvr>
-  <mc:AlternateContent xmlns:mc="http://schemas.openxmlformats.org/markup-compatibility/2006">
-    <mc:Choice xmlns:p15="http://schemas.microsoft.com/office/powerpoint/2012/main" Requires="p15">
+  <mc:AlternateContent xmlns:mc="http://schemas.openxmlformats.org/markup-compatibility/2006" xmlns:p15="http://schemas.microsoft.com/office/powerpoint/2012/main">
+    <mc:Choice Requires="p15">
       <p:transition xmlns:p14="http://schemas.microsoft.com/office/powerpoint/2010/main" spd="slow" p14:dur="2000">
         <p15:prstTrans prst="prestige"/>
       </p:transition>
     </mc:Choice>
-    <mc:Fallback>
+    <mc:Fallback xmlns="">
       <p:transition spd="slow">
         <p:fade/>
       </p:transition>
@@ -5200,6 +5207,611 @@
 </file>
 
 <file path=ppt/slides/slide6.xml><?xml version="1.0" encoding="utf-8"?>
+<p:sld xmlns:a="http://schemas.openxmlformats.org/drawingml/2006/main" xmlns:r="http://schemas.openxmlformats.org/officeDocument/2006/relationships" xmlns:p="http://schemas.openxmlformats.org/presentationml/2006/main">
+  <p:cSld>
+    <p:bg>
+      <p:bgPr>
+        <a:solidFill>
+          <a:schemeClr val="bg1"/>
+        </a:solidFill>
+        <a:effectLst/>
+      </p:bgPr>
+    </p:bg>
+    <p:spTree>
+      <p:nvGrpSpPr>
+        <p:cNvPr id="1" name=""/>
+        <p:cNvGrpSpPr/>
+        <p:nvPr/>
+      </p:nvGrpSpPr>
+      <p:grpSpPr>
+        <a:xfrm>
+          <a:off x="0" y="0"/>
+          <a:ext cx="0" cy="0"/>
+          <a:chOff x="0" y="0"/>
+          <a:chExt cx="0" cy="0"/>
+        </a:xfrm>
+      </p:grpSpPr>
+      <p:sp useBgFill="1">
+        <p:nvSpPr>
+          <p:cNvPr id="1031" name="Rectangle 1030">
+            <a:extLst>
+              <a:ext uri="{FF2B5EF4-FFF2-40B4-BE49-F238E27FC236}">
+                <a16:creationId xmlns:a16="http://schemas.microsoft.com/office/drawing/2014/main" id="{EB6D1D7F-141C-4D8E-BFBA-D95B68E16385}"/>
+              </a:ext>
+              <a:ext uri="{C183D7F6-B498-43B3-948B-1728B52AA6E4}">
+                <adec:decorative xmlns:adec="http://schemas.microsoft.com/office/drawing/2017/decorative" val="1"/>
+              </a:ext>
+            </a:extLst>
+          </p:cNvPr>
+          <p:cNvSpPr>
+            <a:spLocks noGrp="1" noRot="1" noChangeAspect="1" noMove="1" noResize="1" noEditPoints="1" noAdjustHandles="1" noChangeArrowheads="1" noChangeShapeType="1" noTextEdit="1"/>
+          </p:cNvSpPr>
+          <p:nvPr>
+            <p:extLst>
+              <p:ext uri="{386F3935-93C4-4BCD-93E2-E3B085C9AB24}">
+                <p16:designElem xmlns:p16="http://schemas.microsoft.com/office/powerpoint/2015/main" val="1"/>
+              </p:ext>
+            </p:extLst>
+          </p:nvPr>
+        </p:nvSpPr>
+        <p:spPr>
+          <a:xfrm>
+            <a:off x="1524" y="0"/>
+            <a:ext cx="12188952" cy="6858000"/>
+          </a:xfrm>
+          <a:prstGeom prst="rect">
+            <a:avLst/>
+          </a:prstGeom>
+          <a:ln>
+            <a:noFill/>
+          </a:ln>
+        </p:spPr>
+        <p:style>
+          <a:lnRef idx="2">
+            <a:schemeClr val="accent1">
+              <a:shade val="50000"/>
+            </a:schemeClr>
+          </a:lnRef>
+          <a:fillRef idx="1">
+            <a:schemeClr val="accent1"/>
+          </a:fillRef>
+          <a:effectRef idx="0">
+            <a:schemeClr val="accent1"/>
+          </a:effectRef>
+          <a:fontRef idx="minor">
+            <a:schemeClr val="lt1"/>
+          </a:fontRef>
+        </p:style>
+        <p:txBody>
+          <a:bodyPr rtlCol="0" anchor="ctr"/>
+          <a:lstStyle/>
+          <a:p>
+            <a:pPr marL="0" marR="0" lvl="0" indent="0" algn="ctr" defTabSz="457200" rtl="0" eaLnBrk="1" fontAlgn="auto" latinLnBrk="0" hangingPunct="1">
+              <a:lnSpc>
+                <a:spcPct val="100000"/>
+              </a:lnSpc>
+              <a:spcBef>
+                <a:spcPts val="0"/>
+              </a:spcBef>
+              <a:spcAft>
+                <a:spcPts val="0"/>
+              </a:spcAft>
+              <a:buClrTx/>
+              <a:buSzTx/>
+              <a:buFontTx/>
+              <a:buNone/>
+              <a:tabLst/>
+              <a:defRPr/>
+            </a:pPr>
+            <a:endParaRPr kumimoji="0" lang="en-US" sz="1800" b="0" i="0" u="none" strike="noStrike" kern="1200" cap="none" spc="0" normalizeH="0" baseline="0" noProof="0">
+              <a:ln>
+                <a:noFill/>
+              </a:ln>
+              <a:solidFill>
+                <a:srgbClr val="FFFFFF"/>
+              </a:solidFill>
+              <a:effectLst/>
+              <a:uLnTx/>
+              <a:uFillTx/>
+              <a:latin typeface="Franklin Gothic Medium"/>
+              <a:ea typeface="+mn-ea"/>
+              <a:cs typeface="+mn-cs"/>
+            </a:endParaRPr>
+          </a:p>
+        </p:txBody>
+      </p:sp>
+      <p:pic>
+        <p:nvPicPr>
+          <p:cNvPr id="1026" name="Picture 2" descr="How To Get a Job as a Video Game Tester">
+            <a:extLst>
+              <a:ext uri="{FF2B5EF4-FFF2-40B4-BE49-F238E27FC236}">
+                <a16:creationId xmlns:a16="http://schemas.microsoft.com/office/drawing/2014/main" id="{F473D569-1B0A-A7F5-95EF-10664CEDCBED}"/>
+              </a:ext>
+            </a:extLst>
+          </p:cNvPr>
+          <p:cNvPicPr>
+            <a:picLocks noChangeAspect="1" noChangeArrowheads="1"/>
+          </p:cNvPicPr>
+          <p:nvPr/>
+        </p:nvPicPr>
+        <p:blipFill rotWithShape="1">
+          <a:blip r:embed="rId2">
+            <a:extLst>
+              <a:ext uri="{28A0092B-C50C-407E-A947-70E740481C1C}">
+                <a14:useLocalDpi xmlns:a14="http://schemas.microsoft.com/office/drawing/2010/main" val="0"/>
+              </a:ext>
+            </a:extLst>
+          </a:blip>
+          <a:srcRect r="25"/>
+          <a:stretch/>
+        </p:blipFill>
+        <p:spPr bwMode="auto">
+          <a:xfrm>
+            <a:off x="1588" y="0"/>
+            <a:ext cx="12188825" cy="6858000"/>
+          </a:xfrm>
+          <a:prstGeom prst="rect">
+            <a:avLst/>
+          </a:prstGeom>
+          <a:noFill/>
+          <a:extLst>
+            <a:ext uri="{909E8E84-426E-40DD-AFC4-6F175D3DCCD1}">
+              <a14:hiddenFill xmlns:a14="http://schemas.microsoft.com/office/drawing/2010/main">
+                <a:solidFill>
+                  <a:srgbClr val="FFFFFF"/>
+                </a:solidFill>
+              </a14:hiddenFill>
+            </a:ext>
+          </a:extLst>
+        </p:spPr>
+      </p:pic>
+      <p:sp>
+        <p:nvSpPr>
+          <p:cNvPr id="1033" name="Rectangle 1032">
+            <a:extLst>
+              <a:ext uri="{FF2B5EF4-FFF2-40B4-BE49-F238E27FC236}">
+                <a16:creationId xmlns:a16="http://schemas.microsoft.com/office/drawing/2014/main" id="{B7B54865-0417-4422-B63B-3E74C04CD741}"/>
+              </a:ext>
+              <a:ext uri="{C183D7F6-B498-43B3-948B-1728B52AA6E4}">
+                <adec:decorative xmlns:adec="http://schemas.microsoft.com/office/drawing/2017/decorative" val="1"/>
+              </a:ext>
+            </a:extLst>
+          </p:cNvPr>
+          <p:cNvSpPr>
+            <a:spLocks noGrp="1" noRot="1" noChangeAspect="1" noMove="1" noResize="1" noEditPoints="1" noAdjustHandles="1" noChangeArrowheads="1" noChangeShapeType="1" noTextEdit="1"/>
+          </p:cNvSpPr>
+          <p:nvPr>
+            <p:extLst>
+              <p:ext uri="{386F3935-93C4-4BCD-93E2-E3B085C9AB24}">
+                <p16:designElem xmlns:p16="http://schemas.microsoft.com/office/powerpoint/2015/main" val="1"/>
+              </p:ext>
+            </p:extLst>
+          </p:nvPr>
+        </p:nvSpPr>
+        <p:spPr>
+          <a:xfrm>
+            <a:off x="6096001" y="664432"/>
+            <a:ext cx="6096000" cy="2060859"/>
+          </a:xfrm>
+          <a:prstGeom prst="rect">
+            <a:avLst/>
+          </a:prstGeom>
+          <a:solidFill>
+            <a:schemeClr val="tx1"/>
+          </a:solidFill>
+          <a:ln>
+            <a:noFill/>
+          </a:ln>
+        </p:spPr>
+        <p:style>
+          <a:lnRef idx="2">
+            <a:schemeClr val="accent1">
+              <a:shade val="50000"/>
+            </a:schemeClr>
+          </a:lnRef>
+          <a:fillRef idx="1">
+            <a:schemeClr val="accent1"/>
+          </a:fillRef>
+          <a:effectRef idx="0">
+            <a:schemeClr val="accent1"/>
+          </a:effectRef>
+          <a:fontRef idx="minor">
+            <a:schemeClr val="lt1"/>
+          </a:fontRef>
+        </p:style>
+        <p:txBody>
+          <a:bodyPr rtlCol="0" anchor="ctr"/>
+          <a:lstStyle/>
+          <a:p>
+            <a:pPr marL="0" marR="0" lvl="0" indent="0" algn="ctr" defTabSz="457200" rtl="0" eaLnBrk="1" fontAlgn="auto" latinLnBrk="0" hangingPunct="1">
+              <a:lnSpc>
+                <a:spcPct val="100000"/>
+              </a:lnSpc>
+              <a:spcBef>
+                <a:spcPts val="0"/>
+              </a:spcBef>
+              <a:spcAft>
+                <a:spcPts val="0"/>
+              </a:spcAft>
+              <a:buClrTx/>
+              <a:buSzTx/>
+              <a:buFontTx/>
+              <a:buNone/>
+              <a:tabLst/>
+              <a:defRPr/>
+            </a:pPr>
+            <a:endParaRPr kumimoji="0" lang="en-US" sz="1800" b="0" i="0" u="none" strike="noStrike" kern="1200" cap="none" spc="0" normalizeH="0" baseline="0" noProof="0" dirty="0">
+              <a:ln>
+                <a:noFill/>
+              </a:ln>
+              <a:solidFill>
+                <a:srgbClr val="FFFFFF"/>
+              </a:solidFill>
+              <a:effectLst/>
+              <a:uLnTx/>
+              <a:uFillTx/>
+              <a:latin typeface="Franklin Gothic Medium"/>
+              <a:ea typeface="+mn-ea"/>
+              <a:cs typeface="+mn-cs"/>
+            </a:endParaRPr>
+          </a:p>
+        </p:txBody>
+      </p:sp>
+      <p:sp>
+        <p:nvSpPr>
+          <p:cNvPr id="2" name="Title 1">
+            <a:extLst>
+              <a:ext uri="{FF2B5EF4-FFF2-40B4-BE49-F238E27FC236}">
+                <a16:creationId xmlns:a16="http://schemas.microsoft.com/office/drawing/2014/main" id="{DC77D19D-8D80-AA2F-BB45-9CD90FA255CC}"/>
+              </a:ext>
+            </a:extLst>
+          </p:cNvPr>
+          <p:cNvSpPr>
+            <a:spLocks noGrp="1"/>
+          </p:cNvSpPr>
+          <p:nvPr>
+            <p:ph type="title"/>
+          </p:nvPr>
+        </p:nvSpPr>
+        <p:spPr>
+          <a:xfrm>
+            <a:off x="6677023" y="990599"/>
+            <a:ext cx="4857751" cy="1563989"/>
+          </a:xfrm>
+        </p:spPr>
+        <p:txBody>
+          <a:bodyPr>
+            <a:normAutofit/>
+          </a:bodyPr>
+          <a:lstStyle/>
+          <a:p>
+            <a:r>
+              <a:rPr lang="en-GB" dirty="0"/>
+              <a:t>Playtesting</a:t>
+            </a:r>
+          </a:p>
+        </p:txBody>
+      </p:sp>
+      <p:sp>
+        <p:nvSpPr>
+          <p:cNvPr id="1035" name="Rectangle 1034">
+            <a:extLst>
+              <a:ext uri="{FF2B5EF4-FFF2-40B4-BE49-F238E27FC236}">
+                <a16:creationId xmlns:a16="http://schemas.microsoft.com/office/drawing/2014/main" id="{4815D795-EBA0-4245-89F8-B459481683FB}"/>
+              </a:ext>
+              <a:ext uri="{C183D7F6-B498-43B3-948B-1728B52AA6E4}">
+                <adec:decorative xmlns:adec="http://schemas.microsoft.com/office/drawing/2017/decorative" val="1"/>
+              </a:ext>
+            </a:extLst>
+          </p:cNvPr>
+          <p:cNvSpPr>
+            <a:spLocks noGrp="1" noRot="1" noChangeAspect="1" noMove="1" noResize="1" noEditPoints="1" noAdjustHandles="1" noChangeArrowheads="1" noChangeShapeType="1" noTextEdit="1"/>
+          </p:cNvSpPr>
+          <p:nvPr>
+            <p:extLst>
+              <p:ext uri="{386F3935-93C4-4BCD-93E2-E3B085C9AB24}">
+                <p16:designElem xmlns:p16="http://schemas.microsoft.com/office/powerpoint/2015/main" val="1"/>
+              </p:ext>
+            </p:extLst>
+          </p:nvPr>
+        </p:nvSpPr>
+        <p:spPr>
+          <a:xfrm>
+            <a:off x="6096001" y="2727295"/>
+            <a:ext cx="6096000" cy="3456349"/>
+          </a:xfrm>
+          <a:prstGeom prst="rect">
+            <a:avLst/>
+          </a:prstGeom>
+          <a:solidFill>
+            <a:schemeClr val="bg1"/>
+          </a:solidFill>
+          <a:ln>
+            <a:noFill/>
+          </a:ln>
+        </p:spPr>
+        <p:style>
+          <a:lnRef idx="2">
+            <a:schemeClr val="accent1">
+              <a:shade val="50000"/>
+            </a:schemeClr>
+          </a:lnRef>
+          <a:fillRef idx="1">
+            <a:schemeClr val="accent1"/>
+          </a:fillRef>
+          <a:effectRef idx="0">
+            <a:schemeClr val="accent1"/>
+          </a:effectRef>
+          <a:fontRef idx="minor">
+            <a:schemeClr val="lt1"/>
+          </a:fontRef>
+        </p:style>
+        <p:txBody>
+          <a:bodyPr rtlCol="0" anchor="ctr"/>
+          <a:lstStyle/>
+          <a:p>
+            <a:pPr marL="0" marR="0" lvl="0" indent="0" algn="ctr" defTabSz="457200" rtl="0" eaLnBrk="1" fontAlgn="auto" latinLnBrk="0" hangingPunct="1">
+              <a:lnSpc>
+                <a:spcPct val="100000"/>
+              </a:lnSpc>
+              <a:spcBef>
+                <a:spcPts val="0"/>
+              </a:spcBef>
+              <a:spcAft>
+                <a:spcPts val="0"/>
+              </a:spcAft>
+              <a:buClrTx/>
+              <a:buSzTx/>
+              <a:buFontTx/>
+              <a:buNone/>
+              <a:tabLst/>
+              <a:defRPr/>
+            </a:pPr>
+            <a:endParaRPr kumimoji="0" lang="en-US" sz="1800" b="0" i="0" u="none" strike="noStrike" kern="1200" cap="none" spc="0" normalizeH="0" baseline="0" noProof="0" dirty="0">
+              <a:ln>
+                <a:noFill/>
+              </a:ln>
+              <a:solidFill>
+                <a:srgbClr val="FFFFFF"/>
+              </a:solidFill>
+              <a:effectLst/>
+              <a:uLnTx/>
+              <a:uFillTx/>
+              <a:latin typeface="Franklin Gothic Medium"/>
+              <a:ea typeface="+mn-ea"/>
+              <a:cs typeface="+mn-cs"/>
+            </a:endParaRPr>
+          </a:p>
+        </p:txBody>
+      </p:sp>
+      <p:sp>
+        <p:nvSpPr>
+          <p:cNvPr id="3" name="Content Placeholder 2">
+            <a:extLst>
+              <a:ext uri="{FF2B5EF4-FFF2-40B4-BE49-F238E27FC236}">
+                <a16:creationId xmlns:a16="http://schemas.microsoft.com/office/drawing/2014/main" id="{669F1DA1-BF29-E8FE-8BDA-0FA39ABCE90D}"/>
+              </a:ext>
+            </a:extLst>
+          </p:cNvPr>
+          <p:cNvSpPr>
+            <a:spLocks noGrp="1"/>
+          </p:cNvSpPr>
+          <p:nvPr>
+            <p:ph idx="1"/>
+          </p:nvPr>
+        </p:nvSpPr>
+        <p:spPr>
+          <a:xfrm>
+            <a:off x="6677024" y="3071909"/>
+            <a:ext cx="4924426" cy="2795492"/>
+          </a:xfrm>
+        </p:spPr>
+        <p:txBody>
+          <a:bodyPr>
+            <a:normAutofit/>
+          </a:bodyPr>
+          <a:lstStyle/>
+          <a:p>
+            <a:pPr marL="457200" indent="-457200">
+              <a:lnSpc>
+                <a:spcPct val="91000"/>
+              </a:lnSpc>
+              <a:buFont typeface="Arial" panose="020B0604020202020204" pitchFamily="34" charset="0"/>
+              <a:buChar char="•"/>
+            </a:pPr>
+            <a:r>
+              <a:rPr lang="en-GB" sz="2000"/>
+              <a:t>Each playtesting session was done remotely via a teams call and recorded.</a:t>
+            </a:r>
+          </a:p>
+          <a:p>
+            <a:pPr marL="457200" indent="-457200">
+              <a:lnSpc>
+                <a:spcPct val="91000"/>
+              </a:lnSpc>
+              <a:buFont typeface="Arial" panose="020B0604020202020204" pitchFamily="34" charset="0"/>
+              <a:buChar char="•"/>
+            </a:pPr>
+            <a:r>
+              <a:rPr lang="en-GB" sz="2000"/>
+              <a:t>From the recording, notes were taken down regarding their feedback.</a:t>
+            </a:r>
+          </a:p>
+          <a:p>
+            <a:pPr marL="457200" indent="-457200">
+              <a:lnSpc>
+                <a:spcPct val="91000"/>
+              </a:lnSpc>
+              <a:buFont typeface="Arial" panose="020B0604020202020204" pitchFamily="34" charset="0"/>
+              <a:buChar char="•"/>
+            </a:pPr>
+            <a:r>
+              <a:rPr lang="en-GB" sz="2000"/>
+              <a:t>From these notes, changes were added.</a:t>
+            </a:r>
+          </a:p>
+          <a:p>
+            <a:pPr>
+              <a:lnSpc>
+                <a:spcPct val="91000"/>
+              </a:lnSpc>
+            </a:pPr>
+            <a:endParaRPr lang="en-GB" sz="2000"/>
+          </a:p>
+        </p:txBody>
+      </p:sp>
+    </p:spTree>
+    <p:extLst>
+      <p:ext uri="{BB962C8B-B14F-4D97-AF65-F5344CB8AC3E}">
+        <p14:creationId xmlns:p14="http://schemas.microsoft.com/office/powerpoint/2010/main" val="656852517"/>
+      </p:ext>
+    </p:extLst>
+  </p:cSld>
+  <p:clrMapOvr>
+    <a:masterClrMapping/>
+  </p:clrMapOvr>
+</p:sld>
+</file>
+
+<file path=ppt/slides/slide7.xml><?xml version="1.0" encoding="utf-8"?>
+<p:sld xmlns:a="http://schemas.openxmlformats.org/drawingml/2006/main" xmlns:r="http://schemas.openxmlformats.org/officeDocument/2006/relationships" xmlns:p="http://schemas.openxmlformats.org/presentationml/2006/main">
+  <p:cSld>
+    <p:spTree>
+      <p:nvGrpSpPr>
+        <p:cNvPr id="1" name=""/>
+        <p:cNvGrpSpPr/>
+        <p:nvPr/>
+      </p:nvGrpSpPr>
+      <p:grpSpPr>
+        <a:xfrm>
+          <a:off x="0" y="0"/>
+          <a:ext cx="0" cy="0"/>
+          <a:chOff x="0" y="0"/>
+          <a:chExt cx="0" cy="0"/>
+        </a:xfrm>
+      </p:grpSpPr>
+      <p:sp>
+        <p:nvSpPr>
+          <p:cNvPr id="2" name="Title 1">
+            <a:extLst>
+              <a:ext uri="{FF2B5EF4-FFF2-40B4-BE49-F238E27FC236}">
+                <a16:creationId xmlns:a16="http://schemas.microsoft.com/office/drawing/2014/main" id="{D0E2D545-3CB7-28F2-9C84-1CF84907A17B}"/>
+              </a:ext>
+            </a:extLst>
+          </p:cNvPr>
+          <p:cNvSpPr>
+            <a:spLocks noGrp="1"/>
+          </p:cNvSpPr>
+          <p:nvPr>
+            <p:ph type="title"/>
+          </p:nvPr>
+        </p:nvSpPr>
+        <p:spPr/>
+        <p:txBody>
+          <a:bodyPr>
+            <a:normAutofit fontScale="90000"/>
+          </a:bodyPr>
+          <a:lstStyle/>
+          <a:p>
+            <a:pPr algn="ctr"/>
+            <a:r>
+              <a:rPr lang="en-GB" dirty="0"/>
+              <a:t>Playtesting</a:t>
+            </a:r>
+            <a:br>
+              <a:rPr lang="en-GB" dirty="0"/>
+            </a:br>
+            <a:r>
+              <a:rPr lang="en-GB" dirty="0"/>
+              <a:t>(continued)</a:t>
+            </a:r>
+          </a:p>
+        </p:txBody>
+      </p:sp>
+      <p:sp>
+        <p:nvSpPr>
+          <p:cNvPr id="3" name="Content Placeholder 2">
+            <a:extLst>
+              <a:ext uri="{FF2B5EF4-FFF2-40B4-BE49-F238E27FC236}">
+                <a16:creationId xmlns:a16="http://schemas.microsoft.com/office/drawing/2014/main" id="{6B851CA2-1A41-8B86-A41F-280E32E9844F}"/>
+              </a:ext>
+            </a:extLst>
+          </p:cNvPr>
+          <p:cNvSpPr>
+            <a:spLocks noGrp="1"/>
+          </p:cNvSpPr>
+          <p:nvPr>
+            <p:ph idx="1"/>
+          </p:nvPr>
+        </p:nvSpPr>
+        <p:spPr/>
+        <p:txBody>
+          <a:bodyPr/>
+          <a:lstStyle/>
+          <a:p>
+            <a:pPr marL="457200" indent="-457200">
+              <a:buFont typeface="Arial" panose="020B0604020202020204" pitchFamily="34" charset="0"/>
+              <a:buChar char="•"/>
+            </a:pPr>
+            <a:r>
+              <a:rPr lang="en-GB" dirty="0"/>
+              <a:t>-Dramatic Elements feedback was mostly good, the </a:t>
+            </a:r>
+            <a:r>
+              <a:rPr lang="en-GB" dirty="0" err="1"/>
+              <a:t>playtester</a:t>
+            </a:r>
+            <a:r>
+              <a:rPr lang="en-GB" dirty="0"/>
+              <a:t> wanted a bit of variety in the platforms.</a:t>
+            </a:r>
+          </a:p>
+          <a:p>
+            <a:pPr marL="457200" indent="-457200">
+              <a:buFont typeface="Arial" panose="020B0604020202020204" pitchFamily="34" charset="0"/>
+              <a:buChar char="•"/>
+            </a:pPr>
+            <a:r>
+              <a:rPr lang="en-GB" dirty="0"/>
+              <a:t>Collision bugs which were spotted were patched.</a:t>
+            </a:r>
+          </a:p>
+          <a:p>
+            <a:pPr marL="457200" indent="-457200">
+              <a:buFont typeface="Arial" panose="020B0604020202020204" pitchFamily="34" charset="0"/>
+              <a:buChar char="•"/>
+            </a:pPr>
+            <a:r>
+              <a:rPr lang="en-GB" dirty="0"/>
+              <a:t>Animation was added as per feedback</a:t>
+            </a:r>
+          </a:p>
+          <a:p>
+            <a:pPr marL="457200" indent="-457200">
+              <a:buFont typeface="Arial" panose="020B0604020202020204" pitchFamily="34" charset="0"/>
+              <a:buChar char="•"/>
+            </a:pPr>
+            <a:r>
+              <a:rPr lang="en-GB" dirty="0"/>
+              <a:t>Positive loop was amplified for a more obvious effect</a:t>
+            </a:r>
+          </a:p>
+        </p:txBody>
+      </p:sp>
+    </p:spTree>
+    <p:extLst>
+      <p:ext uri="{BB962C8B-B14F-4D97-AF65-F5344CB8AC3E}">
+        <p14:creationId xmlns:p14="http://schemas.microsoft.com/office/powerpoint/2010/main" val="3131514555"/>
+      </p:ext>
+    </p:extLst>
+  </p:cSld>
+  <p:clrMapOvr>
+    <a:masterClrMapping/>
+  </p:clrMapOvr>
+</p:sld>
+</file>
+
+<file path=ppt/slides/slide8.xml><?xml version="1.0" encoding="utf-8"?>
 <p:sld xmlns:a="http://schemas.openxmlformats.org/drawingml/2006/main" xmlns:r="http://schemas.openxmlformats.org/officeDocument/2006/relationships" xmlns:p="http://schemas.openxmlformats.org/presentationml/2006/main">
   <p:cSld>
     <p:bg>
@@ -5548,13 +6160,13 @@
   <p:clrMapOvr>
     <a:masterClrMapping/>
   </p:clrMapOvr>
-  <mc:AlternateContent xmlns:mc="http://schemas.openxmlformats.org/markup-compatibility/2006">
-    <mc:Choice xmlns:p15="http://schemas.microsoft.com/office/powerpoint/2012/main" Requires="p15">
+  <mc:AlternateContent xmlns:mc="http://schemas.openxmlformats.org/markup-compatibility/2006" xmlns:p15="http://schemas.microsoft.com/office/powerpoint/2012/main">
+    <mc:Choice Requires="p15">
       <p:transition xmlns:p14="http://schemas.microsoft.com/office/powerpoint/2010/main" spd="slow" p14:dur="2000">
         <p15:prstTrans prst="prestige"/>
       </p:transition>
     </mc:Choice>
-    <mc:Fallback>
+    <mc:Fallback xmlns="">
       <p:transition spd="slow">
         <p:fade/>
       </p:transition>
@@ -5563,7 +6175,7 @@
 </p:sld>
 </file>
 
-<file path=ppt/slides/slide7.xml><?xml version="1.0" encoding="utf-8"?>
+<file path=ppt/slides/slide9.xml><?xml version="1.0" encoding="utf-8"?>
 <p:sld xmlns:a="http://schemas.openxmlformats.org/drawingml/2006/main" xmlns:r="http://schemas.openxmlformats.org/officeDocument/2006/relationships" xmlns:p="http://schemas.openxmlformats.org/presentationml/2006/main">
   <p:cSld>
     <p:bg>
@@ -5705,13 +6317,13 @@
   <p:clrMapOvr>
     <a:masterClrMapping/>
   </p:clrMapOvr>
-  <mc:AlternateContent xmlns:mc="http://schemas.openxmlformats.org/markup-compatibility/2006">
-    <mc:Choice xmlns:p15="http://schemas.microsoft.com/office/powerpoint/2012/main" Requires="p15">
+  <mc:AlternateContent xmlns:mc="http://schemas.openxmlformats.org/markup-compatibility/2006" xmlns:p15="http://schemas.microsoft.com/office/powerpoint/2012/main">
+    <mc:Choice Requires="p15">
       <p:transition xmlns:p14="http://schemas.microsoft.com/office/powerpoint/2010/main" spd="slow" p14:dur="2000">
         <p15:prstTrans prst="prestige"/>
       </p:transition>
     </mc:Choice>
-    <mc:Fallback>
+    <mc:Fallback xmlns="">
       <p:transition spd="slow">
         <p:fade/>
       </p:transition>
